--- a/trunk/Trabalho 3/Report Structures.pptx
+++ b/trunk/Trabalho 3/Report Structures.pptx
@@ -6,6 +6,7 @@
   </p:sldMasterIdLst>
   <p:sldIdLst>
     <p:sldId id="256" r:id="rId2"/>
+    <p:sldId id="257" r:id="rId3"/>
   </p:sldIdLst>
   <p:sldSz cx="9144000" cy="6858000" type="screen4x3"/>
   <p:notesSz cx="6858000" cy="9144000"/>
@@ -289,7 +290,7 @@
             <a:fld id="{80F54FB4-8AF6-49FE-9A48-FEE0D5CFAAFD}" type="datetimeFigureOut">
               <a:rPr lang="pt-PT" smtClean="0"/>
               <a:pPr/>
-              <a:t>10-06-2010</a:t>
+              <a:t>16-06-2010</a:t>
             </a:fld>
             <a:endParaRPr lang="pt-PT"/>
           </a:p>
@@ -456,7 +457,7 @@
             <a:fld id="{80F54FB4-8AF6-49FE-9A48-FEE0D5CFAAFD}" type="datetimeFigureOut">
               <a:rPr lang="pt-PT" smtClean="0"/>
               <a:pPr/>
-              <a:t>10-06-2010</a:t>
+              <a:t>16-06-2010</a:t>
             </a:fld>
             <a:endParaRPr lang="pt-PT"/>
           </a:p>
@@ -633,7 +634,7 @@
             <a:fld id="{80F54FB4-8AF6-49FE-9A48-FEE0D5CFAAFD}" type="datetimeFigureOut">
               <a:rPr lang="pt-PT" smtClean="0"/>
               <a:pPr/>
-              <a:t>10-06-2010</a:t>
+              <a:t>16-06-2010</a:t>
             </a:fld>
             <a:endParaRPr lang="pt-PT"/>
           </a:p>
@@ -800,7 +801,7 @@
             <a:fld id="{80F54FB4-8AF6-49FE-9A48-FEE0D5CFAAFD}" type="datetimeFigureOut">
               <a:rPr lang="pt-PT" smtClean="0"/>
               <a:pPr/>
-              <a:t>10-06-2010</a:t>
+              <a:t>16-06-2010</a:t>
             </a:fld>
             <a:endParaRPr lang="pt-PT"/>
           </a:p>
@@ -1043,7 +1044,7 @@
             <a:fld id="{80F54FB4-8AF6-49FE-9A48-FEE0D5CFAAFD}" type="datetimeFigureOut">
               <a:rPr lang="pt-PT" smtClean="0"/>
               <a:pPr/>
-              <a:t>10-06-2010</a:t>
+              <a:t>16-06-2010</a:t>
             </a:fld>
             <a:endParaRPr lang="pt-PT"/>
           </a:p>
@@ -1328,7 +1329,7 @@
             <a:fld id="{80F54FB4-8AF6-49FE-9A48-FEE0D5CFAAFD}" type="datetimeFigureOut">
               <a:rPr lang="pt-PT" smtClean="0"/>
               <a:pPr/>
-              <a:t>10-06-2010</a:t>
+              <a:t>16-06-2010</a:t>
             </a:fld>
             <a:endParaRPr lang="pt-PT"/>
           </a:p>
@@ -1747,7 +1748,7 @@
             <a:fld id="{80F54FB4-8AF6-49FE-9A48-FEE0D5CFAAFD}" type="datetimeFigureOut">
               <a:rPr lang="pt-PT" smtClean="0"/>
               <a:pPr/>
-              <a:t>10-06-2010</a:t>
+              <a:t>16-06-2010</a:t>
             </a:fld>
             <a:endParaRPr lang="pt-PT"/>
           </a:p>
@@ -1862,7 +1863,7 @@
             <a:fld id="{80F54FB4-8AF6-49FE-9A48-FEE0D5CFAAFD}" type="datetimeFigureOut">
               <a:rPr lang="pt-PT" smtClean="0"/>
               <a:pPr/>
-              <a:t>10-06-2010</a:t>
+              <a:t>16-06-2010</a:t>
             </a:fld>
             <a:endParaRPr lang="pt-PT"/>
           </a:p>
@@ -1954,7 +1955,7 @@
             <a:fld id="{80F54FB4-8AF6-49FE-9A48-FEE0D5CFAAFD}" type="datetimeFigureOut">
               <a:rPr lang="pt-PT" smtClean="0"/>
               <a:pPr/>
-              <a:t>10-06-2010</a:t>
+              <a:t>16-06-2010</a:t>
             </a:fld>
             <a:endParaRPr lang="pt-PT"/>
           </a:p>
@@ -2228,7 +2229,7 @@
             <a:fld id="{80F54FB4-8AF6-49FE-9A48-FEE0D5CFAAFD}" type="datetimeFigureOut">
               <a:rPr lang="pt-PT" smtClean="0"/>
               <a:pPr/>
-              <a:t>10-06-2010</a:t>
+              <a:t>16-06-2010</a:t>
             </a:fld>
             <a:endParaRPr lang="pt-PT"/>
           </a:p>
@@ -2478,7 +2479,7 @@
             <a:fld id="{80F54FB4-8AF6-49FE-9A48-FEE0D5CFAAFD}" type="datetimeFigureOut">
               <a:rPr lang="pt-PT" smtClean="0"/>
               <a:pPr/>
-              <a:t>10-06-2010</a:t>
+              <a:t>16-06-2010</a:t>
             </a:fld>
             <a:endParaRPr lang="pt-PT"/>
           </a:p>
@@ -2688,7 +2689,7 @@
             <a:fld id="{80F54FB4-8AF6-49FE-9A48-FEE0D5CFAAFD}" type="datetimeFigureOut">
               <a:rPr lang="pt-PT" smtClean="0"/>
               <a:pPr/>
-              <a:t>10-06-2010</a:t>
+              <a:t>16-06-2010</a:t>
             </a:fld>
             <a:endParaRPr lang="pt-PT"/>
           </a:p>
@@ -3326,8 +3327,9 @@
             <a:pPr algn="ctr"/>
             <a:r>
               <a:rPr lang="pt-PT" sz="1400" b="1" dirty="0" smtClean="0"/>
-              <a:t>Data Server</a:t>
-            </a:r>
+              <a:t>CinemaModel</a:t>
+            </a:r>
+            <a:endParaRPr lang="pt-PT" sz="1400" b="1" dirty="0" smtClean="0"/>
           </a:p>
           <a:p>
             <a:pPr algn="ctr"/>
@@ -4581,7 +4583,6 @@
               <a:rPr lang="pt-PT" sz="1400" b="1" dirty="0" smtClean="0"/>
               <a:t>Registry Server</a:t>
             </a:r>
-            <a:endParaRPr lang="pt-PT" sz="1400" b="1" dirty="0" smtClean="0"/>
           </a:p>
           <a:p>
             <a:pPr algn="ctr"/>
@@ -4833,11 +4834,7 @@
             <a:pPr algn="ctr"/>
             <a:r>
               <a:rPr lang="pt-PT" sz="1400" b="1" dirty="0" smtClean="0"/>
-              <a:t>Registry App</a:t>
-            </a:r>
-            <a:r>
-              <a:rPr lang="pt-PT" sz="1400" b="1" dirty="0" smtClean="0"/>
-              <a:t>.</a:t>
+              <a:t>Registry App.</a:t>
             </a:r>
             <a:endParaRPr lang="pt-PT" sz="1200" i="1" dirty="0"/>
           </a:p>
@@ -4958,16 +4955,1514 @@
             <a:pPr algn="ctr"/>
             <a:r>
               <a:rPr lang="pt-PT" sz="1400" b="1" dirty="0" smtClean="0"/>
-              <a:t>Registry App</a:t>
-            </a:r>
-            <a:r>
-              <a:rPr lang="pt-PT" sz="1400" b="1" dirty="0" smtClean="0"/>
-              <a:t>.</a:t>
+              <a:t>Registry App.</a:t>
             </a:r>
             <a:endParaRPr lang="pt-PT" sz="1200" i="1" dirty="0"/>
           </a:p>
         </p:txBody>
       </p:sp>
+    </p:spTree>
+  </p:cSld>
+  <p:clrMapOvr>
+    <a:masterClrMapping/>
+  </p:clrMapOvr>
+  <p:timing>
+    <p:tnLst>
+      <p:par>
+        <p:cTn id="1" dur="indefinite" restart="never" nodeType="tmRoot"/>
+      </p:par>
+    </p:tnLst>
+  </p:timing>
+</p:sld>
+</file>
+
+<file path=ppt/slides/slide2.xml><?xml version="1.0" encoding="utf-8"?>
+<p:sld xmlns:a="http://schemas.openxmlformats.org/drawingml/2006/main" xmlns:r="http://schemas.openxmlformats.org/officeDocument/2006/relationships" xmlns:p="http://schemas.openxmlformats.org/presentationml/2006/main">
+  <p:cSld>
+    <p:spTree>
+      <p:nvGrpSpPr>
+        <p:cNvPr id="1" name=""/>
+        <p:cNvGrpSpPr/>
+        <p:nvPr/>
+      </p:nvGrpSpPr>
+      <p:grpSpPr>
+        <a:xfrm>
+          <a:off x="0" y="0"/>
+          <a:ext cx="0" cy="0"/>
+          <a:chOff x="0" y="0"/>
+          <a:chExt cx="0" cy="0"/>
+        </a:xfrm>
+      </p:grpSpPr>
+      <p:grpSp>
+        <p:nvGrpSpPr>
+          <p:cNvPr id="127" name="Group 126"/>
+          <p:cNvGrpSpPr/>
+          <p:nvPr/>
+        </p:nvGrpSpPr>
+        <p:grpSpPr>
+          <a:xfrm>
+            <a:off x="1500166" y="428604"/>
+            <a:ext cx="6266133" cy="2668606"/>
+            <a:chOff x="1142976" y="3643314"/>
+            <a:chExt cx="6266133" cy="2668606"/>
+          </a:xfrm>
+        </p:grpSpPr>
+        <p:cxnSp>
+          <p:nvCxnSpPr>
+            <p:cNvPr id="55" name="Shape 54"/>
+            <p:cNvCxnSpPr>
+              <a:stCxn id="26" idx="1"/>
+              <a:endCxn id="48" idx="0"/>
+            </p:cNvCxnSpPr>
+            <p:nvPr/>
+          </p:nvCxnSpPr>
+          <p:spPr>
+            <a:xfrm rot="10800000" flipV="1">
+              <a:off x="2893208" y="4662496"/>
+              <a:ext cx="750099" cy="766767"/>
+            </a:xfrm>
+            <a:prstGeom prst="bentConnector2">
+              <a:avLst/>
+            </a:prstGeom>
+            <a:ln w="19050">
+              <a:solidFill>
+                <a:srgbClr val="CC0000"/>
+              </a:solidFill>
+              <a:headEnd type="none" w="med" len="med"/>
+              <a:tailEnd type="none" w="med" len="med"/>
+            </a:ln>
+          </p:spPr>
+          <p:style>
+            <a:lnRef idx="1">
+              <a:schemeClr val="accent1"/>
+            </a:lnRef>
+            <a:fillRef idx="0">
+              <a:schemeClr val="accent1"/>
+            </a:fillRef>
+            <a:effectRef idx="0">
+              <a:schemeClr val="accent1"/>
+            </a:effectRef>
+            <a:fontRef idx="minor">
+              <a:schemeClr val="tx1"/>
+            </a:fontRef>
+          </p:style>
+        </p:cxnSp>
+        <p:cxnSp>
+          <p:nvCxnSpPr>
+            <p:cNvPr id="59" name="Elbow Connector 58"/>
+            <p:cNvCxnSpPr>
+              <a:stCxn id="48" idx="3"/>
+              <a:endCxn id="49" idx="1"/>
+            </p:cNvCxnSpPr>
+            <p:nvPr/>
+          </p:nvCxnSpPr>
+          <p:spPr>
+            <a:xfrm>
+              <a:off x="3428992" y="5662629"/>
+              <a:ext cx="1571636" cy="1588"/>
+            </a:xfrm>
+            <a:prstGeom prst="bentConnector3">
+              <a:avLst>
+                <a:gd name="adj1" fmla="val 50000"/>
+              </a:avLst>
+            </a:prstGeom>
+            <a:ln w="19050">
+              <a:solidFill>
+                <a:srgbClr val="CC0000"/>
+              </a:solidFill>
+              <a:headEnd type="none" w="med" len="med"/>
+              <a:tailEnd type="none" w="med" len="med"/>
+            </a:ln>
+          </p:spPr>
+          <p:style>
+            <a:lnRef idx="1">
+              <a:schemeClr val="accent1"/>
+            </a:lnRef>
+            <a:fillRef idx="0">
+              <a:schemeClr val="accent1"/>
+            </a:fillRef>
+            <a:effectRef idx="0">
+              <a:schemeClr val="accent1"/>
+            </a:effectRef>
+            <a:fontRef idx="minor">
+              <a:schemeClr val="tx1"/>
+            </a:fontRef>
+          </p:style>
+        </p:cxnSp>
+        <p:sp>
+          <p:nvSpPr>
+            <p:cNvPr id="60" name="Oval 59"/>
+            <p:cNvSpPr/>
+            <p:nvPr/>
+          </p:nvSpPr>
+          <p:spPr>
+            <a:xfrm>
+              <a:off x="2571736" y="3786190"/>
+              <a:ext cx="979721" cy="428628"/>
+            </a:xfrm>
+            <a:prstGeom prst="ellipse">
+              <a:avLst/>
+            </a:prstGeom>
+            <a:gradFill flip="none" rotWithShape="1">
+              <a:gsLst>
+                <a:gs pos="0">
+                  <a:schemeClr val="accent1">
+                    <a:lumMod val="20000"/>
+                    <a:lumOff val="80000"/>
+                    <a:alpha val="96000"/>
+                  </a:schemeClr>
+                </a:gs>
+                <a:gs pos="88000">
+                  <a:schemeClr val="accent1">
+                    <a:lumMod val="20000"/>
+                    <a:lumOff val="80000"/>
+                  </a:schemeClr>
+                </a:gs>
+                <a:gs pos="82000">
+                  <a:schemeClr val="bg1"/>
+                </a:gs>
+              </a:gsLst>
+              <a:path path="circle">
+                <a:fillToRect l="50000" t="50000" r="50000" b="50000"/>
+              </a:path>
+              <a:tileRect/>
+            </a:gradFill>
+          </p:spPr>
+          <p:style>
+            <a:lnRef idx="2">
+              <a:schemeClr val="accent1">
+                <a:shade val="50000"/>
+              </a:schemeClr>
+            </a:lnRef>
+            <a:fillRef idx="1">
+              <a:schemeClr val="accent1"/>
+            </a:fillRef>
+            <a:effectRef idx="0">
+              <a:schemeClr val="accent1"/>
+            </a:effectRef>
+            <a:fontRef idx="minor">
+              <a:schemeClr val="lt1"/>
+            </a:fontRef>
+          </p:style>
+          <p:txBody>
+            <a:bodyPr rtlCol="0" anchor="ctr"/>
+            <a:lstStyle/>
+            <a:p>
+              <a:pPr algn="ctr"/>
+              <a:r>
+                <a:rPr lang="pt-PT" u="sng" dirty="0" smtClean="0">
+                  <a:solidFill>
+                    <a:schemeClr val="accent1">
+                      <a:lumMod val="50000"/>
+                    </a:schemeClr>
+                  </a:solidFill>
+                </a:rPr>
+                <a:t>id</a:t>
+              </a:r>
+              <a:endParaRPr lang="pt-PT" u="sng" dirty="0" smtClean="0">
+                <a:solidFill>
+                  <a:schemeClr val="accent1">
+                    <a:lumMod val="50000"/>
+                  </a:schemeClr>
+                </a:solidFill>
+              </a:endParaRPr>
+            </a:p>
+          </p:txBody>
+        </p:sp>
+        <p:sp>
+          <p:nvSpPr>
+            <p:cNvPr id="61" name="Oval 60"/>
+            <p:cNvSpPr/>
+            <p:nvPr/>
+          </p:nvSpPr>
+          <p:spPr>
+            <a:xfrm>
+              <a:off x="3689344" y="3643314"/>
+              <a:ext cx="979721" cy="428628"/>
+            </a:xfrm>
+            <a:prstGeom prst="ellipse">
+              <a:avLst/>
+            </a:prstGeom>
+            <a:gradFill flip="none" rotWithShape="1">
+              <a:gsLst>
+                <a:gs pos="0">
+                  <a:schemeClr val="accent1">
+                    <a:lumMod val="20000"/>
+                    <a:lumOff val="80000"/>
+                    <a:alpha val="96000"/>
+                  </a:schemeClr>
+                </a:gs>
+                <a:gs pos="88000">
+                  <a:schemeClr val="accent1">
+                    <a:lumMod val="20000"/>
+                    <a:lumOff val="80000"/>
+                  </a:schemeClr>
+                </a:gs>
+                <a:gs pos="82000">
+                  <a:schemeClr val="bg1"/>
+                </a:gs>
+              </a:gsLst>
+              <a:path path="circle">
+                <a:fillToRect l="50000" t="50000" r="50000" b="50000"/>
+              </a:path>
+              <a:tileRect/>
+            </a:gradFill>
+          </p:spPr>
+          <p:style>
+            <a:lnRef idx="2">
+              <a:schemeClr val="accent1">
+                <a:shade val="50000"/>
+              </a:schemeClr>
+            </a:lnRef>
+            <a:fillRef idx="1">
+              <a:schemeClr val="accent1"/>
+            </a:fillRef>
+            <a:effectRef idx="0">
+              <a:schemeClr val="accent1"/>
+            </a:effectRef>
+            <a:fontRef idx="minor">
+              <a:schemeClr val="lt1"/>
+            </a:fontRef>
+          </p:style>
+          <p:txBody>
+            <a:bodyPr rtlCol="0" anchor="ctr"/>
+            <a:lstStyle/>
+            <a:p>
+              <a:pPr algn="ctr"/>
+              <a:r>
+                <a:rPr lang="pt-PT" dirty="0" smtClean="0">
+                  <a:solidFill>
+                    <a:schemeClr val="accent1">
+                      <a:lumMod val="50000"/>
+                    </a:schemeClr>
+                  </a:solidFill>
+                </a:rPr>
+                <a:t>title</a:t>
+              </a:r>
+              <a:endParaRPr lang="pt-PT" dirty="0" smtClean="0">
+                <a:solidFill>
+                  <a:schemeClr val="accent1">
+                    <a:lumMod val="50000"/>
+                  </a:schemeClr>
+                </a:solidFill>
+              </a:endParaRPr>
+            </a:p>
+          </p:txBody>
+        </p:sp>
+        <p:sp>
+          <p:nvSpPr>
+            <p:cNvPr id="62" name="Oval 61"/>
+            <p:cNvSpPr/>
+            <p:nvPr/>
+          </p:nvSpPr>
+          <p:spPr>
+            <a:xfrm>
+              <a:off x="4857752" y="3786190"/>
+              <a:ext cx="979721" cy="428628"/>
+            </a:xfrm>
+            <a:prstGeom prst="ellipse">
+              <a:avLst/>
+            </a:prstGeom>
+            <a:gradFill flip="none" rotWithShape="1">
+              <a:gsLst>
+                <a:gs pos="0">
+                  <a:schemeClr val="accent1">
+                    <a:lumMod val="20000"/>
+                    <a:lumOff val="80000"/>
+                    <a:alpha val="96000"/>
+                  </a:schemeClr>
+                </a:gs>
+                <a:gs pos="88000">
+                  <a:schemeClr val="accent1">
+                    <a:lumMod val="20000"/>
+                    <a:lumOff val="80000"/>
+                  </a:schemeClr>
+                </a:gs>
+                <a:gs pos="82000">
+                  <a:schemeClr val="bg1"/>
+                </a:gs>
+              </a:gsLst>
+              <a:path path="circle">
+                <a:fillToRect l="50000" t="50000" r="50000" b="50000"/>
+              </a:path>
+              <a:tileRect/>
+            </a:gradFill>
+          </p:spPr>
+          <p:style>
+            <a:lnRef idx="2">
+              <a:schemeClr val="accent1">
+                <a:shade val="50000"/>
+              </a:schemeClr>
+            </a:lnRef>
+            <a:fillRef idx="1">
+              <a:schemeClr val="accent1"/>
+            </a:fillRef>
+            <a:effectRef idx="0">
+              <a:schemeClr val="accent1"/>
+            </a:effectRef>
+            <a:fontRef idx="minor">
+              <a:schemeClr val="lt1"/>
+            </a:fontRef>
+          </p:style>
+          <p:txBody>
+            <a:bodyPr rtlCol="0" anchor="ctr"/>
+            <a:lstStyle/>
+            <a:p>
+              <a:pPr algn="ctr"/>
+              <a:r>
+                <a:rPr lang="pt-PT" dirty="0" smtClean="0">
+                  <a:solidFill>
+                    <a:schemeClr val="accent1">
+                      <a:lumMod val="50000"/>
+                    </a:schemeClr>
+                  </a:solidFill>
+                </a:rPr>
+                <a:t>desc</a:t>
+              </a:r>
+              <a:endParaRPr lang="pt-PT" dirty="0" smtClean="0">
+                <a:solidFill>
+                  <a:schemeClr val="accent1">
+                    <a:lumMod val="50000"/>
+                  </a:schemeClr>
+                </a:solidFill>
+              </a:endParaRPr>
+            </a:p>
+          </p:txBody>
+        </p:sp>
+        <p:cxnSp>
+          <p:nvCxnSpPr>
+            <p:cNvPr id="67" name="Straight Connector 66"/>
+            <p:cNvCxnSpPr>
+              <a:stCxn id="60" idx="5"/>
+              <a:endCxn id="26" idx="0"/>
+            </p:cNvCxnSpPr>
+            <p:nvPr/>
+          </p:nvCxnSpPr>
+          <p:spPr>
+            <a:xfrm rot="16200000" flipH="1">
+              <a:off x="3654993" y="3905033"/>
+              <a:ext cx="277085" cy="771111"/>
+            </a:xfrm>
+            <a:prstGeom prst="line">
+              <a:avLst/>
+            </a:prstGeom>
+            <a:ln>
+              <a:solidFill>
+                <a:srgbClr val="C00000"/>
+              </a:solidFill>
+            </a:ln>
+          </p:spPr>
+          <p:style>
+            <a:lnRef idx="1">
+              <a:schemeClr val="accent1"/>
+            </a:lnRef>
+            <a:fillRef idx="0">
+              <a:schemeClr val="accent1"/>
+            </a:fillRef>
+            <a:effectRef idx="0">
+              <a:schemeClr val="accent1"/>
+            </a:effectRef>
+            <a:fontRef idx="minor">
+              <a:schemeClr val="tx1"/>
+            </a:fontRef>
+          </p:style>
+        </p:cxnSp>
+        <p:cxnSp>
+          <p:nvCxnSpPr>
+            <p:cNvPr id="69" name="Straight Connector 68"/>
+            <p:cNvCxnSpPr>
+              <a:stCxn id="61" idx="4"/>
+              <a:endCxn id="26" idx="0"/>
+            </p:cNvCxnSpPr>
+            <p:nvPr/>
+          </p:nvCxnSpPr>
+          <p:spPr>
+            <a:xfrm rot="5400000">
+              <a:off x="4000553" y="4250480"/>
+              <a:ext cx="357190" cy="114"/>
+            </a:xfrm>
+            <a:prstGeom prst="line">
+              <a:avLst/>
+            </a:prstGeom>
+            <a:ln>
+              <a:solidFill>
+                <a:srgbClr val="C00000"/>
+              </a:solidFill>
+            </a:ln>
+          </p:spPr>
+          <p:style>
+            <a:lnRef idx="1">
+              <a:schemeClr val="accent1"/>
+            </a:lnRef>
+            <a:fillRef idx="0">
+              <a:schemeClr val="accent1"/>
+            </a:fillRef>
+            <a:effectRef idx="0">
+              <a:schemeClr val="accent1"/>
+            </a:effectRef>
+            <a:fontRef idx="minor">
+              <a:schemeClr val="tx1"/>
+            </a:fontRef>
+          </p:style>
+        </p:cxnSp>
+        <p:cxnSp>
+          <p:nvCxnSpPr>
+            <p:cNvPr id="71" name="Straight Connector 70"/>
+            <p:cNvCxnSpPr>
+              <a:stCxn id="62" idx="3"/>
+              <a:endCxn id="26" idx="0"/>
+            </p:cNvCxnSpPr>
+            <p:nvPr/>
+          </p:nvCxnSpPr>
+          <p:spPr>
+            <a:xfrm rot="5400000">
+              <a:off x="4451618" y="3879520"/>
+              <a:ext cx="277085" cy="822138"/>
+            </a:xfrm>
+            <a:prstGeom prst="line">
+              <a:avLst/>
+            </a:prstGeom>
+            <a:ln>
+              <a:solidFill>
+                <a:srgbClr val="C00000"/>
+              </a:solidFill>
+            </a:ln>
+          </p:spPr>
+          <p:style>
+            <a:lnRef idx="1">
+              <a:schemeClr val="accent1"/>
+            </a:lnRef>
+            <a:fillRef idx="0">
+              <a:schemeClr val="accent1"/>
+            </a:fillRef>
+            <a:effectRef idx="0">
+              <a:schemeClr val="accent1"/>
+            </a:effectRef>
+            <a:fontRef idx="minor">
+              <a:schemeClr val="tx1"/>
+            </a:fontRef>
+          </p:style>
+        </p:cxnSp>
+        <p:sp>
+          <p:nvSpPr>
+            <p:cNvPr id="79" name="Oval 78"/>
+            <p:cNvSpPr/>
+            <p:nvPr/>
+          </p:nvSpPr>
+          <p:spPr>
+            <a:xfrm>
+              <a:off x="1142976" y="5097474"/>
+              <a:ext cx="979721" cy="428628"/>
+            </a:xfrm>
+            <a:prstGeom prst="ellipse">
+              <a:avLst/>
+            </a:prstGeom>
+            <a:gradFill flip="none" rotWithShape="1">
+              <a:gsLst>
+                <a:gs pos="0">
+                  <a:schemeClr val="accent1">
+                    <a:lumMod val="20000"/>
+                    <a:lumOff val="80000"/>
+                    <a:alpha val="96000"/>
+                  </a:schemeClr>
+                </a:gs>
+                <a:gs pos="88000">
+                  <a:schemeClr val="accent1">
+                    <a:lumMod val="20000"/>
+                    <a:lumOff val="80000"/>
+                  </a:schemeClr>
+                </a:gs>
+                <a:gs pos="82000">
+                  <a:schemeClr val="bg1"/>
+                </a:gs>
+              </a:gsLst>
+              <a:path path="circle">
+                <a:fillToRect l="50000" t="50000" r="50000" b="50000"/>
+              </a:path>
+              <a:tileRect/>
+            </a:gradFill>
+          </p:spPr>
+          <p:style>
+            <a:lnRef idx="2">
+              <a:schemeClr val="accent1">
+                <a:shade val="50000"/>
+              </a:schemeClr>
+            </a:lnRef>
+            <a:fillRef idx="1">
+              <a:schemeClr val="accent1"/>
+            </a:fillRef>
+            <a:effectRef idx="0">
+              <a:schemeClr val="accent1"/>
+            </a:effectRef>
+            <a:fontRef idx="minor">
+              <a:schemeClr val="lt1"/>
+            </a:fontRef>
+          </p:style>
+          <p:txBody>
+            <a:bodyPr rtlCol="0" anchor="ctr"/>
+            <a:lstStyle/>
+            <a:p>
+              <a:pPr algn="ctr"/>
+              <a:r>
+                <a:rPr lang="pt-PT" u="sng" dirty="0" smtClean="0">
+                  <a:solidFill>
+                    <a:schemeClr val="accent1">
+                      <a:lumMod val="50000"/>
+                    </a:schemeClr>
+                  </a:solidFill>
+                </a:rPr>
+                <a:t>id</a:t>
+              </a:r>
+              <a:endParaRPr lang="pt-PT" u="sng" dirty="0" smtClean="0">
+                <a:solidFill>
+                  <a:schemeClr val="accent1">
+                    <a:lumMod val="50000"/>
+                  </a:schemeClr>
+                </a:solidFill>
+              </a:endParaRPr>
+            </a:p>
+          </p:txBody>
+        </p:sp>
+        <p:sp>
+          <p:nvSpPr>
+            <p:cNvPr id="80" name="Oval 79"/>
+            <p:cNvSpPr/>
+            <p:nvPr/>
+          </p:nvSpPr>
+          <p:spPr>
+            <a:xfrm>
+              <a:off x="1142976" y="5883292"/>
+              <a:ext cx="979721" cy="428628"/>
+            </a:xfrm>
+            <a:prstGeom prst="ellipse">
+              <a:avLst/>
+            </a:prstGeom>
+            <a:gradFill flip="none" rotWithShape="1">
+              <a:gsLst>
+                <a:gs pos="0">
+                  <a:schemeClr val="accent1">
+                    <a:lumMod val="20000"/>
+                    <a:lumOff val="80000"/>
+                    <a:alpha val="96000"/>
+                  </a:schemeClr>
+                </a:gs>
+                <a:gs pos="88000">
+                  <a:schemeClr val="accent1">
+                    <a:lumMod val="20000"/>
+                    <a:lumOff val="80000"/>
+                  </a:schemeClr>
+                </a:gs>
+                <a:gs pos="82000">
+                  <a:schemeClr val="bg1"/>
+                </a:gs>
+              </a:gsLst>
+              <a:path path="circle">
+                <a:fillToRect l="50000" t="50000" r="50000" b="50000"/>
+              </a:path>
+              <a:tileRect/>
+            </a:gradFill>
+          </p:spPr>
+          <p:style>
+            <a:lnRef idx="2">
+              <a:schemeClr val="accent1">
+                <a:shade val="50000"/>
+              </a:schemeClr>
+            </a:lnRef>
+            <a:fillRef idx="1">
+              <a:schemeClr val="accent1"/>
+            </a:fillRef>
+            <a:effectRef idx="0">
+              <a:schemeClr val="accent1"/>
+            </a:effectRef>
+            <a:fontRef idx="minor">
+              <a:schemeClr val="lt1"/>
+            </a:fontRef>
+          </p:style>
+          <p:txBody>
+            <a:bodyPr rtlCol="0" anchor="ctr"/>
+            <a:lstStyle/>
+            <a:p>
+              <a:pPr algn="ctr"/>
+              <a:r>
+                <a:rPr lang="pt-PT" dirty="0" smtClean="0">
+                  <a:solidFill>
+                    <a:schemeClr val="accent1">
+                      <a:lumMod val="50000"/>
+                    </a:schemeClr>
+                  </a:solidFill>
+                </a:rPr>
+                <a:t>start</a:t>
+              </a:r>
+              <a:endParaRPr lang="pt-PT" dirty="0" smtClean="0">
+                <a:solidFill>
+                  <a:schemeClr val="accent1">
+                    <a:lumMod val="50000"/>
+                  </a:schemeClr>
+                </a:solidFill>
+              </a:endParaRPr>
+            </a:p>
+          </p:txBody>
+        </p:sp>
+        <p:cxnSp>
+          <p:nvCxnSpPr>
+            <p:cNvPr id="81" name="Straight Connector 80"/>
+            <p:cNvCxnSpPr>
+              <a:stCxn id="79" idx="5"/>
+              <a:endCxn id="48" idx="1"/>
+            </p:cNvCxnSpPr>
+            <p:nvPr/>
+          </p:nvCxnSpPr>
+          <p:spPr>
+            <a:xfrm rot="16200000" flipH="1">
+              <a:off x="2068672" y="5373879"/>
+              <a:ext cx="199298" cy="378202"/>
+            </a:xfrm>
+            <a:prstGeom prst="line">
+              <a:avLst/>
+            </a:prstGeom>
+            <a:ln>
+              <a:solidFill>
+                <a:srgbClr val="C00000"/>
+              </a:solidFill>
+            </a:ln>
+          </p:spPr>
+          <p:style>
+            <a:lnRef idx="1">
+              <a:schemeClr val="accent1"/>
+            </a:lnRef>
+            <a:fillRef idx="0">
+              <a:schemeClr val="accent1"/>
+            </a:fillRef>
+            <a:effectRef idx="0">
+              <a:schemeClr val="accent1"/>
+            </a:effectRef>
+            <a:fontRef idx="minor">
+              <a:schemeClr val="tx1"/>
+            </a:fontRef>
+          </p:style>
+        </p:cxnSp>
+        <p:cxnSp>
+          <p:nvCxnSpPr>
+            <p:cNvPr id="84" name="Straight Connector 83"/>
+            <p:cNvCxnSpPr>
+              <a:stCxn id="80" idx="7"/>
+              <a:endCxn id="48" idx="1"/>
+            </p:cNvCxnSpPr>
+            <p:nvPr/>
+          </p:nvCxnSpPr>
+          <p:spPr>
+            <a:xfrm rot="5400000" flipH="1" flipV="1">
+              <a:off x="2026604" y="5615245"/>
+              <a:ext cx="283434" cy="378202"/>
+            </a:xfrm>
+            <a:prstGeom prst="line">
+              <a:avLst/>
+            </a:prstGeom>
+            <a:ln>
+              <a:solidFill>
+                <a:srgbClr val="C00000"/>
+              </a:solidFill>
+            </a:ln>
+          </p:spPr>
+          <p:style>
+            <a:lnRef idx="1">
+              <a:schemeClr val="accent1"/>
+            </a:lnRef>
+            <a:fillRef idx="0">
+              <a:schemeClr val="accent1"/>
+            </a:fillRef>
+            <a:effectRef idx="0">
+              <a:schemeClr val="accent1"/>
+            </a:effectRef>
+            <a:fontRef idx="minor">
+              <a:schemeClr val="tx1"/>
+            </a:fontRef>
+          </p:style>
+        </p:cxnSp>
+        <p:sp>
+          <p:nvSpPr>
+            <p:cNvPr id="89" name="Oval 88"/>
+            <p:cNvSpPr/>
+            <p:nvPr/>
+          </p:nvSpPr>
+          <p:spPr>
+            <a:xfrm>
+              <a:off x="6429388" y="5097474"/>
+              <a:ext cx="979721" cy="428628"/>
+            </a:xfrm>
+            <a:prstGeom prst="ellipse">
+              <a:avLst/>
+            </a:prstGeom>
+            <a:gradFill flip="none" rotWithShape="1">
+              <a:gsLst>
+                <a:gs pos="0">
+                  <a:schemeClr val="accent1">
+                    <a:lumMod val="20000"/>
+                    <a:lumOff val="80000"/>
+                    <a:alpha val="96000"/>
+                  </a:schemeClr>
+                </a:gs>
+                <a:gs pos="88000">
+                  <a:schemeClr val="accent1">
+                    <a:lumMod val="20000"/>
+                    <a:lumOff val="80000"/>
+                  </a:schemeClr>
+                </a:gs>
+                <a:gs pos="82000">
+                  <a:schemeClr val="bg1"/>
+                </a:gs>
+              </a:gsLst>
+              <a:path path="circle">
+                <a:fillToRect l="50000" t="50000" r="50000" b="50000"/>
+              </a:path>
+              <a:tileRect/>
+            </a:gradFill>
+          </p:spPr>
+          <p:style>
+            <a:lnRef idx="2">
+              <a:schemeClr val="accent1">
+                <a:shade val="50000"/>
+              </a:schemeClr>
+            </a:lnRef>
+            <a:fillRef idx="1">
+              <a:schemeClr val="accent1"/>
+            </a:fillRef>
+            <a:effectRef idx="0">
+              <a:schemeClr val="accent1"/>
+            </a:effectRef>
+            <a:fontRef idx="minor">
+              <a:schemeClr val="lt1"/>
+            </a:fontRef>
+          </p:style>
+          <p:txBody>
+            <a:bodyPr rtlCol="0" anchor="ctr"/>
+            <a:lstStyle/>
+            <a:p>
+              <a:pPr algn="ctr"/>
+              <a:r>
+                <a:rPr lang="pt-PT" u="sng" dirty="0" smtClean="0">
+                  <a:solidFill>
+                    <a:schemeClr val="accent1">
+                      <a:lumMod val="50000"/>
+                    </a:schemeClr>
+                  </a:solidFill>
+                </a:rPr>
+                <a:t>id</a:t>
+              </a:r>
+              <a:endParaRPr lang="pt-PT" u="sng" dirty="0" smtClean="0">
+                <a:solidFill>
+                  <a:schemeClr val="accent1">
+                    <a:lumMod val="50000"/>
+                  </a:schemeClr>
+                </a:solidFill>
+              </a:endParaRPr>
+            </a:p>
+          </p:txBody>
+        </p:sp>
+        <p:sp>
+          <p:nvSpPr>
+            <p:cNvPr id="91" name="Oval 90"/>
+            <p:cNvSpPr/>
+            <p:nvPr/>
+          </p:nvSpPr>
+          <p:spPr>
+            <a:xfrm>
+              <a:off x="6429388" y="5883292"/>
+              <a:ext cx="979721" cy="428628"/>
+            </a:xfrm>
+            <a:prstGeom prst="ellipse">
+              <a:avLst/>
+            </a:prstGeom>
+            <a:gradFill flip="none" rotWithShape="1">
+              <a:gsLst>
+                <a:gs pos="0">
+                  <a:schemeClr val="accent1">
+                    <a:lumMod val="20000"/>
+                    <a:lumOff val="80000"/>
+                    <a:alpha val="96000"/>
+                  </a:schemeClr>
+                </a:gs>
+                <a:gs pos="88000">
+                  <a:schemeClr val="accent1">
+                    <a:lumMod val="20000"/>
+                    <a:lumOff val="80000"/>
+                  </a:schemeClr>
+                </a:gs>
+                <a:gs pos="82000">
+                  <a:schemeClr val="bg1"/>
+                </a:gs>
+              </a:gsLst>
+              <a:path path="circle">
+                <a:fillToRect l="50000" t="50000" r="50000" b="50000"/>
+              </a:path>
+              <a:tileRect/>
+            </a:gradFill>
+          </p:spPr>
+          <p:style>
+            <a:lnRef idx="2">
+              <a:schemeClr val="accent1">
+                <a:shade val="50000"/>
+              </a:schemeClr>
+            </a:lnRef>
+            <a:fillRef idx="1">
+              <a:schemeClr val="accent1"/>
+            </a:fillRef>
+            <a:effectRef idx="0">
+              <a:schemeClr val="accent1"/>
+            </a:effectRef>
+            <a:fontRef idx="minor">
+              <a:schemeClr val="lt1"/>
+            </a:fontRef>
+          </p:style>
+          <p:txBody>
+            <a:bodyPr rtlCol="0" anchor="ctr"/>
+            <a:lstStyle/>
+            <a:p>
+              <a:pPr algn="ctr"/>
+              <a:r>
+                <a:rPr lang="pt-PT" dirty="0" smtClean="0">
+                  <a:solidFill>
+                    <a:schemeClr val="accent1">
+                      <a:lumMod val="50000"/>
+                    </a:schemeClr>
+                  </a:solidFill>
+                </a:rPr>
+                <a:t>size</a:t>
+              </a:r>
+              <a:endParaRPr lang="pt-PT" dirty="0" smtClean="0">
+                <a:solidFill>
+                  <a:schemeClr val="accent1">
+                    <a:lumMod val="50000"/>
+                  </a:schemeClr>
+                </a:solidFill>
+              </a:endParaRPr>
+            </a:p>
+          </p:txBody>
+        </p:sp>
+        <p:cxnSp>
+          <p:nvCxnSpPr>
+            <p:cNvPr id="94" name="Straight Connector 93"/>
+            <p:cNvCxnSpPr>
+              <a:stCxn id="49" idx="3"/>
+              <a:endCxn id="89" idx="3"/>
+            </p:cNvCxnSpPr>
+            <p:nvPr/>
+          </p:nvCxnSpPr>
+          <p:spPr>
+            <a:xfrm flipV="1">
+              <a:off x="6072198" y="5463331"/>
+              <a:ext cx="500667" cy="199298"/>
+            </a:xfrm>
+            <a:prstGeom prst="line">
+              <a:avLst/>
+            </a:prstGeom>
+            <a:ln>
+              <a:solidFill>
+                <a:srgbClr val="C00000"/>
+              </a:solidFill>
+            </a:ln>
+          </p:spPr>
+          <p:style>
+            <a:lnRef idx="1">
+              <a:schemeClr val="accent1"/>
+            </a:lnRef>
+            <a:fillRef idx="0">
+              <a:schemeClr val="accent1"/>
+            </a:fillRef>
+            <a:effectRef idx="0">
+              <a:schemeClr val="accent1"/>
+            </a:effectRef>
+            <a:fontRef idx="minor">
+              <a:schemeClr val="tx1"/>
+            </a:fontRef>
+          </p:style>
+        </p:cxnSp>
+        <p:cxnSp>
+          <p:nvCxnSpPr>
+            <p:cNvPr id="97" name="Straight Connector 96"/>
+            <p:cNvCxnSpPr>
+              <a:endCxn id="91" idx="1"/>
+            </p:cNvCxnSpPr>
+            <p:nvPr/>
+          </p:nvCxnSpPr>
+          <p:spPr>
+            <a:xfrm>
+              <a:off x="6072198" y="5786454"/>
+              <a:ext cx="500667" cy="159609"/>
+            </a:xfrm>
+            <a:prstGeom prst="line">
+              <a:avLst/>
+            </a:prstGeom>
+            <a:ln>
+              <a:solidFill>
+                <a:srgbClr val="C00000"/>
+              </a:solidFill>
+            </a:ln>
+          </p:spPr>
+          <p:style>
+            <a:lnRef idx="1">
+              <a:schemeClr val="accent1"/>
+            </a:lnRef>
+            <a:fillRef idx="0">
+              <a:schemeClr val="accent1"/>
+            </a:fillRef>
+            <a:effectRef idx="0">
+              <a:schemeClr val="accent1"/>
+            </a:effectRef>
+            <a:fontRef idx="minor">
+              <a:schemeClr val="tx1"/>
+            </a:fontRef>
+          </p:style>
+        </p:cxnSp>
+        <p:cxnSp>
+          <p:nvCxnSpPr>
+            <p:cNvPr id="105" name="Straight Connector 104"/>
+            <p:cNvCxnSpPr/>
+            <p:nvPr/>
+          </p:nvCxnSpPr>
+          <p:spPr>
+            <a:xfrm rot="5400000">
+              <a:off x="3426612" y="4663290"/>
+              <a:ext cx="285752" cy="1588"/>
+            </a:xfrm>
+            <a:prstGeom prst="line">
+              <a:avLst/>
+            </a:prstGeom>
+            <a:ln w="19050">
+              <a:solidFill>
+                <a:srgbClr val="CC0000"/>
+              </a:solidFill>
+              <a:headEnd type="none" w="med" len="med"/>
+              <a:tailEnd type="none" w="med" len="med"/>
+            </a:ln>
+          </p:spPr>
+          <p:style>
+            <a:lnRef idx="1">
+              <a:schemeClr val="accent1"/>
+            </a:lnRef>
+            <a:fillRef idx="0">
+              <a:schemeClr val="accent1"/>
+            </a:fillRef>
+            <a:effectRef idx="0">
+              <a:schemeClr val="accent1"/>
+            </a:effectRef>
+            <a:fontRef idx="minor">
+              <a:schemeClr val="tx1"/>
+            </a:fontRef>
+          </p:style>
+        </p:cxnSp>
+        <p:cxnSp>
+          <p:nvCxnSpPr>
+            <p:cNvPr id="118" name="Straight Connector 117"/>
+            <p:cNvCxnSpPr/>
+            <p:nvPr/>
+          </p:nvCxnSpPr>
+          <p:spPr>
+            <a:xfrm rot="5400000">
+              <a:off x="3348822" y="4663290"/>
+              <a:ext cx="285752" cy="1588"/>
+            </a:xfrm>
+            <a:prstGeom prst="line">
+              <a:avLst/>
+            </a:prstGeom>
+            <a:ln w="19050">
+              <a:solidFill>
+                <a:srgbClr val="CC0000"/>
+              </a:solidFill>
+              <a:headEnd type="none" w="med" len="med"/>
+              <a:tailEnd type="none" w="med" len="med"/>
+            </a:ln>
+          </p:spPr>
+          <p:style>
+            <a:lnRef idx="1">
+              <a:schemeClr val="accent1"/>
+            </a:lnRef>
+            <a:fillRef idx="0">
+              <a:schemeClr val="accent1"/>
+            </a:fillRef>
+            <a:effectRef idx="0">
+              <a:schemeClr val="accent1"/>
+            </a:effectRef>
+            <a:fontRef idx="minor">
+              <a:schemeClr val="tx1"/>
+            </a:fontRef>
+          </p:style>
+        </p:cxnSp>
+        <p:grpSp>
+          <p:nvGrpSpPr>
+            <p:cNvPr id="124" name="Group 123"/>
+            <p:cNvGrpSpPr/>
+            <p:nvPr/>
+          </p:nvGrpSpPr>
+          <p:grpSpPr>
+            <a:xfrm>
+              <a:off x="2828910" y="5019695"/>
+              <a:ext cx="119051" cy="438947"/>
+              <a:chOff x="2828910" y="5086363"/>
+              <a:chExt cx="119051" cy="438947"/>
+            </a:xfrm>
+          </p:grpSpPr>
+          <p:cxnSp>
+            <p:nvCxnSpPr>
+              <p:cNvPr id="116" name="Straight Connector 115"/>
+              <p:cNvCxnSpPr/>
+              <p:nvPr/>
+            </p:nvCxnSpPr>
+            <p:spPr>
+              <a:xfrm rot="4200000">
+                <a:off x="2795577" y="5381640"/>
+                <a:ext cx="285752" cy="1588"/>
+              </a:xfrm>
+              <a:prstGeom prst="line">
+                <a:avLst/>
+              </a:prstGeom>
+              <a:ln w="19050">
+                <a:solidFill>
+                  <a:srgbClr val="CC0000"/>
+                </a:solidFill>
+                <a:headEnd type="none" w="med" len="med"/>
+                <a:tailEnd type="none" w="med" len="med"/>
+              </a:ln>
+            </p:spPr>
+            <p:style>
+              <a:lnRef idx="1">
+                <a:schemeClr val="accent1"/>
+              </a:lnRef>
+              <a:fillRef idx="0">
+                <a:schemeClr val="accent1"/>
+              </a:fillRef>
+              <a:effectRef idx="0">
+                <a:schemeClr val="accent1"/>
+              </a:effectRef>
+              <a:fontRef idx="minor">
+                <a:schemeClr val="tx1"/>
+              </a:fontRef>
+            </p:style>
+          </p:cxnSp>
+          <p:cxnSp>
+            <p:nvCxnSpPr>
+              <p:cNvPr id="117" name="Straight Connector 116"/>
+              <p:cNvCxnSpPr/>
+              <p:nvPr/>
+            </p:nvCxnSpPr>
+            <p:spPr>
+              <a:xfrm rot="17400000" flipH="1">
+                <a:off x="2697551" y="5377265"/>
+                <a:ext cx="285752" cy="1588"/>
+              </a:xfrm>
+              <a:prstGeom prst="line">
+                <a:avLst/>
+              </a:prstGeom>
+              <a:ln w="19050">
+                <a:solidFill>
+                  <a:srgbClr val="CC0000"/>
+                </a:solidFill>
+                <a:headEnd type="none" w="med" len="med"/>
+                <a:tailEnd type="none" w="med" len="med"/>
+              </a:ln>
+            </p:spPr>
+            <p:style>
+              <a:lnRef idx="1">
+                <a:schemeClr val="accent1"/>
+              </a:lnRef>
+              <a:fillRef idx="0">
+                <a:schemeClr val="accent1"/>
+              </a:fillRef>
+              <a:effectRef idx="0">
+                <a:schemeClr val="accent1"/>
+              </a:effectRef>
+              <a:fontRef idx="minor">
+                <a:schemeClr val="tx1"/>
+              </a:fontRef>
+            </p:style>
+          </p:cxnSp>
+          <p:sp>
+            <p:nvSpPr>
+              <p:cNvPr id="119" name="Oval 118"/>
+              <p:cNvSpPr/>
+              <p:nvPr/>
+            </p:nvSpPr>
+            <p:spPr>
+              <a:xfrm>
+                <a:off x="2828910" y="5086363"/>
+                <a:ext cx="119051" cy="119051"/>
+              </a:xfrm>
+              <a:prstGeom prst="ellipse">
+                <a:avLst/>
+              </a:prstGeom>
+              <a:solidFill>
+                <a:schemeClr val="bg1"/>
+              </a:solidFill>
+              <a:ln w="19050">
+                <a:solidFill>
+                  <a:srgbClr val="CC0000"/>
+                </a:solidFill>
+                <a:headEnd type="none" w="med" len="med"/>
+                <a:tailEnd type="none" w="med" len="med"/>
+              </a:ln>
+            </p:spPr>
+            <p:style>
+              <a:lnRef idx="1">
+                <a:schemeClr val="accent1"/>
+              </a:lnRef>
+              <a:fillRef idx="0">
+                <a:schemeClr val="accent1"/>
+              </a:fillRef>
+              <a:effectRef idx="0">
+                <a:schemeClr val="accent1"/>
+              </a:effectRef>
+              <a:fontRef idx="minor">
+                <a:schemeClr val="tx1"/>
+              </a:fontRef>
+            </p:style>
+            <p:txBody>
+              <a:bodyPr rtlCol="0" anchor="ctr"/>
+              <a:lstStyle/>
+              <a:p>
+                <a:pPr algn="ctr"/>
+                <a:endParaRPr lang="pt-PT"/>
+              </a:p>
+            </p:txBody>
+          </p:sp>
+        </p:grpSp>
+        <p:grpSp>
+          <p:nvGrpSpPr>
+            <p:cNvPr id="123" name="Group 122"/>
+            <p:cNvGrpSpPr/>
+            <p:nvPr/>
+          </p:nvGrpSpPr>
+          <p:grpSpPr>
+            <a:xfrm rot="5400000">
+              <a:off x="3565125" y="5440770"/>
+              <a:ext cx="119051" cy="438947"/>
+              <a:chOff x="3797689" y="5196286"/>
+              <a:chExt cx="119051" cy="438947"/>
+            </a:xfrm>
+          </p:grpSpPr>
+          <p:cxnSp>
+            <p:nvCxnSpPr>
+              <p:cNvPr id="120" name="Straight Connector 119"/>
+              <p:cNvCxnSpPr/>
+              <p:nvPr/>
+            </p:nvCxnSpPr>
+            <p:spPr>
+              <a:xfrm rot="4200000">
+                <a:off x="3764356" y="5491563"/>
+                <a:ext cx="285752" cy="1588"/>
+              </a:xfrm>
+              <a:prstGeom prst="line">
+                <a:avLst/>
+              </a:prstGeom>
+              <a:ln w="19050">
+                <a:solidFill>
+                  <a:srgbClr val="CC0000"/>
+                </a:solidFill>
+                <a:headEnd type="none" w="med" len="med"/>
+                <a:tailEnd type="none" w="med" len="med"/>
+              </a:ln>
+            </p:spPr>
+            <p:style>
+              <a:lnRef idx="1">
+                <a:schemeClr val="accent1"/>
+              </a:lnRef>
+              <a:fillRef idx="0">
+                <a:schemeClr val="accent1"/>
+              </a:fillRef>
+              <a:effectRef idx="0">
+                <a:schemeClr val="accent1"/>
+              </a:effectRef>
+              <a:fontRef idx="minor">
+                <a:schemeClr val="tx1"/>
+              </a:fontRef>
+            </p:style>
+          </p:cxnSp>
+          <p:cxnSp>
+            <p:nvCxnSpPr>
+              <p:cNvPr id="121" name="Straight Connector 120"/>
+              <p:cNvCxnSpPr/>
+              <p:nvPr/>
+            </p:nvCxnSpPr>
+            <p:spPr>
+              <a:xfrm rot="17400000" flipH="1">
+                <a:off x="3666330" y="5487188"/>
+                <a:ext cx="285752" cy="1588"/>
+              </a:xfrm>
+              <a:prstGeom prst="line">
+                <a:avLst/>
+              </a:prstGeom>
+              <a:ln w="19050">
+                <a:solidFill>
+                  <a:srgbClr val="CC0000"/>
+                </a:solidFill>
+                <a:headEnd type="none" w="med" len="med"/>
+                <a:tailEnd type="none" w="med" len="med"/>
+              </a:ln>
+            </p:spPr>
+            <p:style>
+              <a:lnRef idx="1">
+                <a:schemeClr val="accent1"/>
+              </a:lnRef>
+              <a:fillRef idx="0">
+                <a:schemeClr val="accent1"/>
+              </a:fillRef>
+              <a:effectRef idx="0">
+                <a:schemeClr val="accent1"/>
+              </a:effectRef>
+              <a:fontRef idx="minor">
+                <a:schemeClr val="tx1"/>
+              </a:fontRef>
+            </p:style>
+          </p:cxnSp>
+          <p:sp>
+            <p:nvSpPr>
+              <p:cNvPr id="122" name="Oval 121"/>
+              <p:cNvSpPr/>
+              <p:nvPr/>
+            </p:nvSpPr>
+            <p:spPr>
+              <a:xfrm>
+                <a:off x="3797689" y="5196286"/>
+                <a:ext cx="119051" cy="119051"/>
+              </a:xfrm>
+              <a:prstGeom prst="ellipse">
+                <a:avLst/>
+              </a:prstGeom>
+              <a:solidFill>
+                <a:schemeClr val="bg1"/>
+              </a:solidFill>
+              <a:ln w="19050">
+                <a:solidFill>
+                  <a:srgbClr val="CC0000"/>
+                </a:solidFill>
+                <a:headEnd type="none" w="med" len="med"/>
+                <a:tailEnd type="none" w="med" len="med"/>
+              </a:ln>
+            </p:spPr>
+            <p:style>
+              <a:lnRef idx="1">
+                <a:schemeClr val="accent1"/>
+              </a:lnRef>
+              <a:fillRef idx="0">
+                <a:schemeClr val="accent1"/>
+              </a:fillRef>
+              <a:effectRef idx="0">
+                <a:schemeClr val="accent1"/>
+              </a:effectRef>
+              <a:fontRef idx="minor">
+                <a:schemeClr val="tx1"/>
+              </a:fontRef>
+            </p:style>
+            <p:txBody>
+              <a:bodyPr rtlCol="0" anchor="ctr"/>
+              <a:lstStyle/>
+              <a:p>
+                <a:pPr algn="ctr"/>
+                <a:endParaRPr lang="pt-PT"/>
+              </a:p>
+            </p:txBody>
+          </p:sp>
+        </p:grpSp>
+        <p:cxnSp>
+          <p:nvCxnSpPr>
+            <p:cNvPr id="125" name="Straight Connector 124"/>
+            <p:cNvCxnSpPr/>
+            <p:nvPr/>
+          </p:nvCxnSpPr>
+          <p:spPr>
+            <a:xfrm rot="5400000">
+              <a:off x="4783934" y="5661836"/>
+              <a:ext cx="285752" cy="1588"/>
+            </a:xfrm>
+            <a:prstGeom prst="line">
+              <a:avLst/>
+            </a:prstGeom>
+            <a:ln w="19050">
+              <a:solidFill>
+                <a:srgbClr val="CC0000"/>
+              </a:solidFill>
+              <a:headEnd type="none" w="med" len="med"/>
+              <a:tailEnd type="none" w="med" len="med"/>
+            </a:ln>
+          </p:spPr>
+          <p:style>
+            <a:lnRef idx="1">
+              <a:schemeClr val="accent1"/>
+            </a:lnRef>
+            <a:fillRef idx="0">
+              <a:schemeClr val="accent1"/>
+            </a:fillRef>
+            <a:effectRef idx="0">
+              <a:schemeClr val="accent1"/>
+            </a:effectRef>
+            <a:fontRef idx="minor">
+              <a:schemeClr val="tx1"/>
+            </a:fontRef>
+          </p:style>
+        </p:cxnSp>
+        <p:cxnSp>
+          <p:nvCxnSpPr>
+            <p:cNvPr id="126" name="Straight Connector 125"/>
+            <p:cNvCxnSpPr/>
+            <p:nvPr/>
+          </p:nvCxnSpPr>
+          <p:spPr>
+            <a:xfrm rot="5400000">
+              <a:off x="4706144" y="5661836"/>
+              <a:ext cx="285752" cy="1588"/>
+            </a:xfrm>
+            <a:prstGeom prst="line">
+              <a:avLst/>
+            </a:prstGeom>
+            <a:ln w="19050">
+              <a:solidFill>
+                <a:srgbClr val="CC0000"/>
+              </a:solidFill>
+              <a:headEnd type="none" w="med" len="med"/>
+              <a:tailEnd type="none" w="med" len="med"/>
+            </a:ln>
+          </p:spPr>
+          <p:style>
+            <a:lnRef idx="1">
+              <a:schemeClr val="accent1"/>
+            </a:lnRef>
+            <a:fillRef idx="0">
+              <a:schemeClr val="accent1"/>
+            </a:fillRef>
+            <a:effectRef idx="0">
+              <a:schemeClr val="accent1"/>
+            </a:effectRef>
+            <a:fontRef idx="minor">
+              <a:schemeClr val="tx1"/>
+            </a:fontRef>
+          </p:style>
+        </p:cxnSp>
+        <p:sp>
+          <p:nvSpPr>
+            <p:cNvPr id="26" name="Rounded Rectangle 25"/>
+            <p:cNvSpPr/>
+            <p:nvPr/>
+          </p:nvSpPr>
+          <p:spPr>
+            <a:xfrm>
+              <a:off x="3643306" y="4429132"/>
+              <a:ext cx="1071570" cy="466729"/>
+            </a:xfrm>
+            <a:prstGeom prst="roundRect">
+              <a:avLst/>
+            </a:prstGeom>
+          </p:spPr>
+          <p:style>
+            <a:lnRef idx="1">
+              <a:schemeClr val="dk1"/>
+            </a:lnRef>
+            <a:fillRef idx="2">
+              <a:schemeClr val="dk1"/>
+            </a:fillRef>
+            <a:effectRef idx="1">
+              <a:schemeClr val="dk1"/>
+            </a:effectRef>
+            <a:fontRef idx="minor">
+              <a:schemeClr val="dk1"/>
+            </a:fontRef>
+          </p:style>
+          <p:txBody>
+            <a:bodyPr rtlCol="0" anchor="ctr"/>
+            <a:lstStyle/>
+            <a:p>
+              <a:pPr algn="ctr"/>
+              <a:r>
+                <a:rPr lang="pt-PT" sz="1400" b="1" dirty="0" smtClean="0"/>
+                <a:t>Movie</a:t>
+              </a:r>
+              <a:endParaRPr lang="pt-PT" sz="1200" i="1" dirty="0"/>
+            </a:p>
+          </p:txBody>
+        </p:sp>
+        <p:sp>
+          <p:nvSpPr>
+            <p:cNvPr id="48" name="Rounded Rectangle 47"/>
+            <p:cNvSpPr/>
+            <p:nvPr/>
+          </p:nvSpPr>
+          <p:spPr>
+            <a:xfrm>
+              <a:off x="2357422" y="5429264"/>
+              <a:ext cx="1071570" cy="466729"/>
+            </a:xfrm>
+            <a:prstGeom prst="roundRect">
+              <a:avLst/>
+            </a:prstGeom>
+          </p:spPr>
+          <p:style>
+            <a:lnRef idx="1">
+              <a:schemeClr val="dk1"/>
+            </a:lnRef>
+            <a:fillRef idx="2">
+              <a:schemeClr val="dk1"/>
+            </a:fillRef>
+            <a:effectRef idx="1">
+              <a:schemeClr val="dk1"/>
+            </a:effectRef>
+            <a:fontRef idx="minor">
+              <a:schemeClr val="dk1"/>
+            </a:fontRef>
+          </p:style>
+          <p:txBody>
+            <a:bodyPr rtlCol="0" anchor="ctr"/>
+            <a:lstStyle/>
+            <a:p>
+              <a:pPr algn="ctr"/>
+              <a:r>
+                <a:rPr lang="pt-PT" sz="1400" b="1" dirty="0" smtClean="0"/>
+                <a:t>Session</a:t>
+              </a:r>
+              <a:endParaRPr lang="pt-PT" sz="1200" i="1" dirty="0"/>
+            </a:p>
+          </p:txBody>
+        </p:sp>
+        <p:sp>
+          <p:nvSpPr>
+            <p:cNvPr id="49" name="Rounded Rectangle 48"/>
+            <p:cNvSpPr/>
+            <p:nvPr/>
+          </p:nvSpPr>
+          <p:spPr>
+            <a:xfrm>
+              <a:off x="5000628" y="5429264"/>
+              <a:ext cx="1071570" cy="466729"/>
+            </a:xfrm>
+            <a:prstGeom prst="roundRect">
+              <a:avLst/>
+            </a:prstGeom>
+          </p:spPr>
+          <p:style>
+            <a:lnRef idx="1">
+              <a:schemeClr val="dk1"/>
+            </a:lnRef>
+            <a:fillRef idx="2">
+              <a:schemeClr val="dk1"/>
+            </a:fillRef>
+            <a:effectRef idx="1">
+              <a:schemeClr val="dk1"/>
+            </a:effectRef>
+            <a:fontRef idx="minor">
+              <a:schemeClr val="dk1"/>
+            </a:fontRef>
+          </p:style>
+          <p:txBody>
+            <a:bodyPr rtlCol="0" anchor="ctr"/>
+            <a:lstStyle/>
+            <a:p>
+              <a:pPr algn="ctr"/>
+              <a:r>
+                <a:rPr lang="pt-PT" sz="1400" b="1" dirty="0" smtClean="0"/>
+                <a:t>Room</a:t>
+              </a:r>
+              <a:endParaRPr lang="pt-PT" sz="1200" i="1" dirty="0"/>
+            </a:p>
+          </p:txBody>
+        </p:sp>
+      </p:grpSp>
     </p:spTree>
   </p:cSld>
   <p:clrMapOvr>
